--- a/pptx/fig5.pptx
+++ b/pptx/fig5.pptx
@@ -7,14 +7,14 @@
   <p:sldIdLst>
     <p:sldId id="256" r:id="rId2"/>
   </p:sldIdLst>
-  <p:sldSz cx="2519363" cy="1079500"/>
+  <p:sldSz cx="2879725" cy="1444625"/>
   <p:notesSz cx="6858000" cy="9144000"/>
   <p:defaultTextStyle>
     <a:defPPr>
       <a:defRPr lang="zh-CN"/>
     </a:defPPr>
-    <a:lvl1pPr marL="0" algn="l" defTabSz="207294" rtl="0" eaLnBrk="1" latinLnBrk="0" hangingPunct="1">
-      <a:defRPr sz="408" kern="1200">
+    <a:lvl1pPr marL="0" algn="l" defTabSz="249064" rtl="0" eaLnBrk="1" latinLnBrk="0" hangingPunct="1">
+      <a:defRPr sz="500" kern="1200">
         <a:solidFill>
           <a:schemeClr val="tx1"/>
         </a:solidFill>
@@ -23,8 +23,8 @@
         <a:cs typeface="+mn-cs"/>
       </a:defRPr>
     </a:lvl1pPr>
-    <a:lvl2pPr marL="103647" algn="l" defTabSz="207294" rtl="0" eaLnBrk="1" latinLnBrk="0" hangingPunct="1">
-      <a:defRPr sz="408" kern="1200">
+    <a:lvl2pPr marL="124532" algn="l" defTabSz="249064" rtl="0" eaLnBrk="1" latinLnBrk="0" hangingPunct="1">
+      <a:defRPr sz="500" kern="1200">
         <a:solidFill>
           <a:schemeClr val="tx1"/>
         </a:solidFill>
@@ -33,8 +33,8 @@
         <a:cs typeface="+mn-cs"/>
       </a:defRPr>
     </a:lvl2pPr>
-    <a:lvl3pPr marL="207294" algn="l" defTabSz="207294" rtl="0" eaLnBrk="1" latinLnBrk="0" hangingPunct="1">
-      <a:defRPr sz="408" kern="1200">
+    <a:lvl3pPr marL="249064" algn="l" defTabSz="249064" rtl="0" eaLnBrk="1" latinLnBrk="0" hangingPunct="1">
+      <a:defRPr sz="500" kern="1200">
         <a:solidFill>
           <a:schemeClr val="tx1"/>
         </a:solidFill>
@@ -43,8 +43,8 @@
         <a:cs typeface="+mn-cs"/>
       </a:defRPr>
     </a:lvl3pPr>
-    <a:lvl4pPr marL="310942" algn="l" defTabSz="207294" rtl="0" eaLnBrk="1" latinLnBrk="0" hangingPunct="1">
-      <a:defRPr sz="408" kern="1200">
+    <a:lvl4pPr marL="373597" algn="l" defTabSz="249064" rtl="0" eaLnBrk="1" latinLnBrk="0" hangingPunct="1">
+      <a:defRPr sz="500" kern="1200">
         <a:solidFill>
           <a:schemeClr val="tx1"/>
         </a:solidFill>
@@ -53,8 +53,8 @@
         <a:cs typeface="+mn-cs"/>
       </a:defRPr>
     </a:lvl4pPr>
-    <a:lvl5pPr marL="414589" algn="l" defTabSz="207294" rtl="0" eaLnBrk="1" latinLnBrk="0" hangingPunct="1">
-      <a:defRPr sz="408" kern="1200">
+    <a:lvl5pPr marL="498129" algn="l" defTabSz="249064" rtl="0" eaLnBrk="1" latinLnBrk="0" hangingPunct="1">
+      <a:defRPr sz="500" kern="1200">
         <a:solidFill>
           <a:schemeClr val="tx1"/>
         </a:solidFill>
@@ -63,8 +63,8 @@
         <a:cs typeface="+mn-cs"/>
       </a:defRPr>
     </a:lvl5pPr>
-    <a:lvl6pPr marL="518236" algn="l" defTabSz="207294" rtl="0" eaLnBrk="1" latinLnBrk="0" hangingPunct="1">
-      <a:defRPr sz="408" kern="1200">
+    <a:lvl6pPr marL="622661" algn="l" defTabSz="249064" rtl="0" eaLnBrk="1" latinLnBrk="0" hangingPunct="1">
+      <a:defRPr sz="500" kern="1200">
         <a:solidFill>
           <a:schemeClr val="tx1"/>
         </a:solidFill>
@@ -73,8 +73,8 @@
         <a:cs typeface="+mn-cs"/>
       </a:defRPr>
     </a:lvl6pPr>
-    <a:lvl7pPr marL="621883" algn="l" defTabSz="207294" rtl="0" eaLnBrk="1" latinLnBrk="0" hangingPunct="1">
-      <a:defRPr sz="408" kern="1200">
+    <a:lvl7pPr marL="747192" algn="l" defTabSz="249064" rtl="0" eaLnBrk="1" latinLnBrk="0" hangingPunct="1">
+      <a:defRPr sz="500" kern="1200">
         <a:solidFill>
           <a:schemeClr val="tx1"/>
         </a:solidFill>
@@ -83,8 +83,8 @@
         <a:cs typeface="+mn-cs"/>
       </a:defRPr>
     </a:lvl7pPr>
-    <a:lvl8pPr marL="725531" algn="l" defTabSz="207294" rtl="0" eaLnBrk="1" latinLnBrk="0" hangingPunct="1">
-      <a:defRPr sz="408" kern="1200">
+    <a:lvl8pPr marL="871725" algn="l" defTabSz="249064" rtl="0" eaLnBrk="1" latinLnBrk="0" hangingPunct="1">
+      <a:defRPr sz="500" kern="1200">
         <a:solidFill>
           <a:schemeClr val="tx1"/>
         </a:solidFill>
@@ -93,8 +93,8 @@
         <a:cs typeface="+mn-cs"/>
       </a:defRPr>
     </a:lvl8pPr>
-    <a:lvl9pPr marL="829178" algn="l" defTabSz="207294" rtl="0" eaLnBrk="1" latinLnBrk="0" hangingPunct="1">
-      <a:defRPr sz="408" kern="1200">
+    <a:lvl9pPr marL="996257" algn="l" defTabSz="249064" rtl="0" eaLnBrk="1" latinLnBrk="0" hangingPunct="1">
+      <a:defRPr sz="500" kern="1200">
         <a:solidFill>
           <a:schemeClr val="tx1"/>
         </a:solidFill>
@@ -106,7 +106,7 @@
   </p:defaultTextStyle>
   <p:extLst>
     <p:ext uri="{EFAFB233-063F-42B5-8137-9DF3F51BA10A}">
-      <p15:sldGuideLst xmlns:p15="http://schemas.microsoft.com/office/powerpoint/2012/main"/>
+      <p15:sldGuideLst xmlns:p15="http://schemas.microsoft.com/office/powerpoint/2012/main" xmlns=""/>
     </p:ext>
   </p:extLst>
 </p:presentation>
@@ -141,15 +141,15 @@
         </p:nvSpPr>
         <p:spPr>
           <a:xfrm>
-            <a:off x="314921" y="176668"/>
-            <a:ext cx="1889522" cy="375826"/>
+            <a:off x="359967" y="236423"/>
+            <a:ext cx="2159793" cy="502944"/>
           </a:xfrm>
         </p:spPr>
         <p:txBody>
           <a:bodyPr anchor="b"/>
           <a:lstStyle>
             <a:lvl1pPr algn="ctr">
-              <a:defRPr sz="944"/>
+              <a:defRPr sz="1100"/>
             </a:lvl1pPr>
           </a:lstStyle>
           <a:p>
@@ -173,8 +173,8 @@
         </p:nvSpPr>
         <p:spPr>
           <a:xfrm>
-            <a:off x="314921" y="566988"/>
-            <a:ext cx="1889522" cy="260629"/>
+            <a:off x="359967" y="758764"/>
+            <a:ext cx="2159793" cy="348783"/>
           </a:xfrm>
         </p:spPr>
         <p:txBody>
@@ -182,39 +182,39 @@
           <a:lstStyle>
             <a:lvl1pPr marL="0" indent="0" algn="ctr">
               <a:buNone/>
-              <a:defRPr sz="378"/>
+              <a:defRPr sz="500"/>
             </a:lvl1pPr>
-            <a:lvl2pPr marL="71963" indent="0" algn="ctr">
-              <a:buNone/>
-              <a:defRPr sz="315"/>
+            <a:lvl2pPr marL="86464" indent="0" algn="ctr">
+              <a:buNone/>
+              <a:defRPr sz="400"/>
             </a:lvl2pPr>
-            <a:lvl3pPr marL="143927" indent="0" algn="ctr">
-              <a:buNone/>
-              <a:defRPr sz="283"/>
+            <a:lvl3pPr marL="172928" indent="0" algn="ctr">
+              <a:buNone/>
+              <a:defRPr sz="300"/>
             </a:lvl3pPr>
-            <a:lvl4pPr marL="215890" indent="0" algn="ctr">
-              <a:buNone/>
-              <a:defRPr sz="252"/>
+            <a:lvl4pPr marL="259392" indent="0" algn="ctr">
+              <a:buNone/>
+              <a:defRPr sz="300"/>
             </a:lvl4pPr>
-            <a:lvl5pPr marL="287853" indent="0" algn="ctr">
-              <a:buNone/>
-              <a:defRPr sz="252"/>
+            <a:lvl5pPr marL="345855" indent="0" algn="ctr">
+              <a:buNone/>
+              <a:defRPr sz="300"/>
             </a:lvl5pPr>
-            <a:lvl6pPr marL="359816" indent="0" algn="ctr">
-              <a:buNone/>
-              <a:defRPr sz="252"/>
+            <a:lvl6pPr marL="432319" indent="0" algn="ctr">
+              <a:buNone/>
+              <a:defRPr sz="300"/>
             </a:lvl6pPr>
-            <a:lvl7pPr marL="431780" indent="0" algn="ctr">
-              <a:buNone/>
-              <a:defRPr sz="252"/>
+            <a:lvl7pPr marL="518784" indent="0" algn="ctr">
+              <a:buNone/>
+              <a:defRPr sz="300"/>
             </a:lvl7pPr>
-            <a:lvl8pPr marL="503743" indent="0" algn="ctr">
-              <a:buNone/>
-              <a:defRPr sz="252"/>
+            <a:lvl8pPr marL="605247" indent="0" algn="ctr">
+              <a:buNone/>
+              <a:defRPr sz="300"/>
             </a:lvl8pPr>
-            <a:lvl9pPr marL="575706" indent="0" algn="ctr">
-              <a:buNone/>
-              <a:defRPr sz="252"/>
+            <a:lvl9pPr marL="691711" indent="0" algn="ctr">
+              <a:buNone/>
+              <a:defRPr sz="300"/>
             </a:lvl9pPr>
           </a:lstStyle>
           <a:p>
@@ -243,7 +243,7 @@
           <a:p>
             <a:fld id="{B81EF0E6-7456-45B9-A9E8-FB65E7325BBE}" type="datetimeFigureOut">
               <a:rPr lang="zh-CN" altLang="en-US" smtClean="0"/>
-              <a:t>2015/4/28</a:t>
+              <a:t>15/5/10</a:t>
             </a:fld>
             <a:endParaRPr lang="zh-CN" altLang="en-US"/>
           </a:p>
@@ -413,7 +413,7 @@
           <a:p>
             <a:fld id="{B81EF0E6-7456-45B9-A9E8-FB65E7325BBE}" type="datetimeFigureOut">
               <a:rPr lang="zh-CN" altLang="en-US" smtClean="0"/>
-              <a:t>2015/4/28</a:t>
+              <a:t>15/5/10</a:t>
             </a:fld>
             <a:endParaRPr lang="zh-CN" altLang="en-US"/>
           </a:p>
@@ -503,8 +503,8 @@
         </p:nvSpPr>
         <p:spPr>
           <a:xfrm>
-            <a:off x="1802919" y="57474"/>
-            <a:ext cx="543238" cy="914826"/>
+            <a:off x="2060803" y="76914"/>
+            <a:ext cx="620941" cy="1224252"/>
           </a:xfrm>
         </p:spPr>
         <p:txBody>
@@ -531,8 +531,8 @@
         </p:nvSpPr>
         <p:spPr>
           <a:xfrm>
-            <a:off x="173206" y="57474"/>
-            <a:ext cx="1598221" cy="914826"/>
+            <a:off x="197981" y="76914"/>
+            <a:ext cx="1826826" cy="1224252"/>
           </a:xfrm>
         </p:spPr>
         <p:txBody>
@@ -593,7 +593,7 @@
           <a:p>
             <a:fld id="{B81EF0E6-7456-45B9-A9E8-FB65E7325BBE}" type="datetimeFigureOut">
               <a:rPr lang="zh-CN" altLang="en-US" smtClean="0"/>
-              <a:t>2015/4/28</a:t>
+              <a:t>15/5/10</a:t>
             </a:fld>
             <a:endParaRPr lang="zh-CN" altLang="en-US"/>
           </a:p>
@@ -763,7 +763,7 @@
           <a:p>
             <a:fld id="{B81EF0E6-7456-45B9-A9E8-FB65E7325BBE}" type="datetimeFigureOut">
               <a:rPr lang="zh-CN" altLang="en-US" smtClean="0"/>
-              <a:t>2015/4/28</a:t>
+              <a:t>15/5/10</a:t>
             </a:fld>
             <a:endParaRPr lang="zh-CN" altLang="en-US"/>
           </a:p>
@@ -853,15 +853,15 @@
         </p:nvSpPr>
         <p:spPr>
           <a:xfrm>
-            <a:off x="171894" y="269125"/>
-            <a:ext cx="2172951" cy="449042"/>
+            <a:off x="196482" y="360153"/>
+            <a:ext cx="2483763" cy="600924"/>
           </a:xfrm>
         </p:spPr>
         <p:txBody>
           <a:bodyPr anchor="b"/>
           <a:lstStyle>
             <a:lvl1pPr>
-              <a:defRPr sz="944"/>
+              <a:defRPr sz="1100"/>
             </a:lvl1pPr>
           </a:lstStyle>
           <a:p>
@@ -885,8 +885,8 @@
         </p:nvSpPr>
         <p:spPr>
           <a:xfrm>
-            <a:off x="171894" y="722415"/>
-            <a:ext cx="2172951" cy="236141"/>
+            <a:off x="196482" y="966762"/>
+            <a:ext cx="2483763" cy="316012"/>
           </a:xfrm>
         </p:spPr>
         <p:txBody>
@@ -894,7 +894,7 @@
           <a:lstStyle>
             <a:lvl1pPr marL="0" indent="0">
               <a:buNone/>
-              <a:defRPr sz="378">
+              <a:defRPr sz="500">
                 <a:solidFill>
                   <a:schemeClr val="tx1">
                     <a:tint val="75000"/>
@@ -902,9 +902,9 @@
                 </a:solidFill>
               </a:defRPr>
             </a:lvl1pPr>
-            <a:lvl2pPr marL="71963" indent="0">
-              <a:buNone/>
-              <a:defRPr sz="315">
+            <a:lvl2pPr marL="86464" indent="0">
+              <a:buNone/>
+              <a:defRPr sz="400">
                 <a:solidFill>
                   <a:schemeClr val="tx1">
                     <a:tint val="75000"/>
@@ -912,9 +912,9 @@
                 </a:solidFill>
               </a:defRPr>
             </a:lvl2pPr>
-            <a:lvl3pPr marL="143927" indent="0">
-              <a:buNone/>
-              <a:defRPr sz="283">
+            <a:lvl3pPr marL="172928" indent="0">
+              <a:buNone/>
+              <a:defRPr sz="300">
                 <a:solidFill>
                   <a:schemeClr val="tx1">
                     <a:tint val="75000"/>
@@ -922,9 +922,9 @@
                 </a:solidFill>
               </a:defRPr>
             </a:lvl3pPr>
-            <a:lvl4pPr marL="215890" indent="0">
-              <a:buNone/>
-              <a:defRPr sz="252">
+            <a:lvl4pPr marL="259392" indent="0">
+              <a:buNone/>
+              <a:defRPr sz="300">
                 <a:solidFill>
                   <a:schemeClr val="tx1">
                     <a:tint val="75000"/>
@@ -932,9 +932,9 @@
                 </a:solidFill>
               </a:defRPr>
             </a:lvl4pPr>
-            <a:lvl5pPr marL="287853" indent="0">
-              <a:buNone/>
-              <a:defRPr sz="252">
+            <a:lvl5pPr marL="345855" indent="0">
+              <a:buNone/>
+              <a:defRPr sz="300">
                 <a:solidFill>
                   <a:schemeClr val="tx1">
                     <a:tint val="75000"/>
@@ -942,9 +942,9 @@
                 </a:solidFill>
               </a:defRPr>
             </a:lvl5pPr>
-            <a:lvl6pPr marL="359816" indent="0">
-              <a:buNone/>
-              <a:defRPr sz="252">
+            <a:lvl6pPr marL="432319" indent="0">
+              <a:buNone/>
+              <a:defRPr sz="300">
                 <a:solidFill>
                   <a:schemeClr val="tx1">
                     <a:tint val="75000"/>
@@ -952,9 +952,9 @@
                 </a:solidFill>
               </a:defRPr>
             </a:lvl6pPr>
-            <a:lvl7pPr marL="431780" indent="0">
-              <a:buNone/>
-              <a:defRPr sz="252">
+            <a:lvl7pPr marL="518784" indent="0">
+              <a:buNone/>
+              <a:defRPr sz="300">
                 <a:solidFill>
                   <a:schemeClr val="tx1">
                     <a:tint val="75000"/>
@@ -962,9 +962,9 @@
                 </a:solidFill>
               </a:defRPr>
             </a:lvl7pPr>
-            <a:lvl8pPr marL="503743" indent="0">
-              <a:buNone/>
-              <a:defRPr sz="252">
+            <a:lvl8pPr marL="605247" indent="0">
+              <a:buNone/>
+              <a:defRPr sz="300">
                 <a:solidFill>
                   <a:schemeClr val="tx1">
                     <a:tint val="75000"/>
@@ -972,9 +972,9 @@
                 </a:solidFill>
               </a:defRPr>
             </a:lvl8pPr>
-            <a:lvl9pPr marL="575706" indent="0">
-              <a:buNone/>
-              <a:defRPr sz="252">
+            <a:lvl9pPr marL="691711" indent="0">
+              <a:buNone/>
+              <a:defRPr sz="300">
                 <a:solidFill>
                   <a:schemeClr val="tx1">
                     <a:tint val="75000"/>
@@ -1009,7 +1009,7 @@
           <a:p>
             <a:fld id="{B81EF0E6-7456-45B9-A9E8-FB65E7325BBE}" type="datetimeFigureOut">
               <a:rPr lang="zh-CN" altLang="en-US" smtClean="0"/>
-              <a:t>2015/4/28</a:t>
+              <a:t>15/5/10</a:t>
             </a:fld>
             <a:endParaRPr lang="zh-CN" altLang="en-US"/>
           </a:p>
@@ -1122,8 +1122,8 @@
         </p:nvSpPr>
         <p:spPr>
           <a:xfrm>
-            <a:off x="173206" y="287367"/>
-            <a:ext cx="1070729" cy="684933"/>
+            <a:off x="197981" y="384565"/>
+            <a:ext cx="1223883" cy="916602"/>
           </a:xfrm>
         </p:spPr>
         <p:txBody>
@@ -1179,8 +1179,8 @@
         </p:nvSpPr>
         <p:spPr>
           <a:xfrm>
-            <a:off x="1275428" y="287367"/>
-            <a:ext cx="1070729" cy="684933"/>
+            <a:off x="1457862" y="384565"/>
+            <a:ext cx="1223883" cy="916602"/>
           </a:xfrm>
         </p:spPr>
         <p:txBody>
@@ -1241,7 +1241,7 @@
           <a:p>
             <a:fld id="{B81EF0E6-7456-45B9-A9E8-FB65E7325BBE}" type="datetimeFigureOut">
               <a:rPr lang="zh-CN" altLang="en-US" smtClean="0"/>
-              <a:t>2015/4/28</a:t>
+              <a:t>15/5/10</a:t>
             </a:fld>
             <a:endParaRPr lang="zh-CN" altLang="en-US"/>
           </a:p>
@@ -1331,8 +1331,8 @@
         </p:nvSpPr>
         <p:spPr>
           <a:xfrm>
-            <a:off x="173534" y="57474"/>
-            <a:ext cx="2172951" cy="208653"/>
+            <a:off x="198356" y="76914"/>
+            <a:ext cx="2483763" cy="279227"/>
           </a:xfrm>
         </p:spPr>
         <p:txBody>
@@ -1359,8 +1359,8 @@
         </p:nvSpPr>
         <p:spPr>
           <a:xfrm>
-            <a:off x="173534" y="264627"/>
-            <a:ext cx="1065809" cy="129690"/>
+            <a:off x="198356" y="354133"/>
+            <a:ext cx="1218259" cy="173556"/>
           </a:xfrm>
         </p:spPr>
         <p:txBody>
@@ -1368,39 +1368,39 @@
           <a:lstStyle>
             <a:lvl1pPr marL="0" indent="0">
               <a:buNone/>
-              <a:defRPr sz="378" b="1"/>
+              <a:defRPr sz="500" b="1"/>
             </a:lvl1pPr>
-            <a:lvl2pPr marL="71963" indent="0">
-              <a:buNone/>
-              <a:defRPr sz="315" b="1"/>
+            <a:lvl2pPr marL="86464" indent="0">
+              <a:buNone/>
+              <a:defRPr sz="400" b="1"/>
             </a:lvl2pPr>
-            <a:lvl3pPr marL="143927" indent="0">
-              <a:buNone/>
-              <a:defRPr sz="283" b="1"/>
+            <a:lvl3pPr marL="172928" indent="0">
+              <a:buNone/>
+              <a:defRPr sz="300" b="1"/>
             </a:lvl3pPr>
-            <a:lvl4pPr marL="215890" indent="0">
-              <a:buNone/>
-              <a:defRPr sz="252" b="1"/>
+            <a:lvl4pPr marL="259392" indent="0">
+              <a:buNone/>
+              <a:defRPr sz="300" b="1"/>
             </a:lvl4pPr>
-            <a:lvl5pPr marL="287853" indent="0">
-              <a:buNone/>
-              <a:defRPr sz="252" b="1"/>
+            <a:lvl5pPr marL="345855" indent="0">
+              <a:buNone/>
+              <a:defRPr sz="300" b="1"/>
             </a:lvl5pPr>
-            <a:lvl6pPr marL="359816" indent="0">
-              <a:buNone/>
-              <a:defRPr sz="252" b="1"/>
+            <a:lvl6pPr marL="432319" indent="0">
+              <a:buNone/>
+              <a:defRPr sz="300" b="1"/>
             </a:lvl6pPr>
-            <a:lvl7pPr marL="431780" indent="0">
-              <a:buNone/>
-              <a:defRPr sz="252" b="1"/>
+            <a:lvl7pPr marL="518784" indent="0">
+              <a:buNone/>
+              <a:defRPr sz="300" b="1"/>
             </a:lvl7pPr>
-            <a:lvl8pPr marL="503743" indent="0">
-              <a:buNone/>
-              <a:defRPr sz="252" b="1"/>
+            <a:lvl8pPr marL="605247" indent="0">
+              <a:buNone/>
+              <a:defRPr sz="300" b="1"/>
             </a:lvl8pPr>
-            <a:lvl9pPr marL="575706" indent="0">
-              <a:buNone/>
-              <a:defRPr sz="252" b="1"/>
+            <a:lvl9pPr marL="691711" indent="0">
+              <a:buNone/>
+              <a:defRPr sz="300" b="1"/>
             </a:lvl9pPr>
           </a:lstStyle>
           <a:p>
@@ -1424,8 +1424,8 @@
         </p:nvSpPr>
         <p:spPr>
           <a:xfrm>
-            <a:off x="173534" y="394318"/>
-            <a:ext cx="1065809" cy="579981"/>
+            <a:off x="198356" y="527691"/>
+            <a:ext cx="1218259" cy="776151"/>
           </a:xfrm>
         </p:spPr>
         <p:txBody>
@@ -1481,8 +1481,8 @@
         </p:nvSpPr>
         <p:spPr>
           <a:xfrm>
-            <a:off x="1275428" y="264627"/>
-            <a:ext cx="1071057" cy="129690"/>
+            <a:off x="1457862" y="354133"/>
+            <a:ext cx="1224258" cy="173556"/>
           </a:xfrm>
         </p:spPr>
         <p:txBody>
@@ -1490,39 +1490,39 @@
           <a:lstStyle>
             <a:lvl1pPr marL="0" indent="0">
               <a:buNone/>
-              <a:defRPr sz="378" b="1"/>
+              <a:defRPr sz="500" b="1"/>
             </a:lvl1pPr>
-            <a:lvl2pPr marL="71963" indent="0">
-              <a:buNone/>
-              <a:defRPr sz="315" b="1"/>
+            <a:lvl2pPr marL="86464" indent="0">
+              <a:buNone/>
+              <a:defRPr sz="400" b="1"/>
             </a:lvl2pPr>
-            <a:lvl3pPr marL="143927" indent="0">
-              <a:buNone/>
-              <a:defRPr sz="283" b="1"/>
+            <a:lvl3pPr marL="172928" indent="0">
+              <a:buNone/>
+              <a:defRPr sz="300" b="1"/>
             </a:lvl3pPr>
-            <a:lvl4pPr marL="215890" indent="0">
-              <a:buNone/>
-              <a:defRPr sz="252" b="1"/>
+            <a:lvl4pPr marL="259392" indent="0">
+              <a:buNone/>
+              <a:defRPr sz="300" b="1"/>
             </a:lvl4pPr>
-            <a:lvl5pPr marL="287853" indent="0">
-              <a:buNone/>
-              <a:defRPr sz="252" b="1"/>
+            <a:lvl5pPr marL="345855" indent="0">
+              <a:buNone/>
+              <a:defRPr sz="300" b="1"/>
             </a:lvl5pPr>
-            <a:lvl6pPr marL="359816" indent="0">
-              <a:buNone/>
-              <a:defRPr sz="252" b="1"/>
+            <a:lvl6pPr marL="432319" indent="0">
+              <a:buNone/>
+              <a:defRPr sz="300" b="1"/>
             </a:lvl6pPr>
-            <a:lvl7pPr marL="431780" indent="0">
-              <a:buNone/>
-              <a:defRPr sz="252" b="1"/>
+            <a:lvl7pPr marL="518784" indent="0">
+              <a:buNone/>
+              <a:defRPr sz="300" b="1"/>
             </a:lvl7pPr>
-            <a:lvl8pPr marL="503743" indent="0">
-              <a:buNone/>
-              <a:defRPr sz="252" b="1"/>
+            <a:lvl8pPr marL="605247" indent="0">
+              <a:buNone/>
+              <a:defRPr sz="300" b="1"/>
             </a:lvl8pPr>
-            <a:lvl9pPr marL="575706" indent="0">
-              <a:buNone/>
-              <a:defRPr sz="252" b="1"/>
+            <a:lvl9pPr marL="691711" indent="0">
+              <a:buNone/>
+              <a:defRPr sz="300" b="1"/>
             </a:lvl9pPr>
           </a:lstStyle>
           <a:p>
@@ -1546,8 +1546,8 @@
         </p:nvSpPr>
         <p:spPr>
           <a:xfrm>
-            <a:off x="1275428" y="394318"/>
-            <a:ext cx="1071057" cy="579981"/>
+            <a:off x="1457862" y="527691"/>
+            <a:ext cx="1224258" cy="776151"/>
           </a:xfrm>
         </p:spPr>
         <p:txBody>
@@ -1608,7 +1608,7 @@
           <a:p>
             <a:fld id="{B81EF0E6-7456-45B9-A9E8-FB65E7325BBE}" type="datetimeFigureOut">
               <a:rPr lang="zh-CN" altLang="en-US" smtClean="0"/>
-              <a:t>2015/4/28</a:t>
+              <a:t>15/5/10</a:t>
             </a:fld>
             <a:endParaRPr lang="zh-CN" altLang="en-US"/>
           </a:p>
@@ -1726,7 +1726,7 @@
           <a:p>
             <a:fld id="{B81EF0E6-7456-45B9-A9E8-FB65E7325BBE}" type="datetimeFigureOut">
               <a:rPr lang="zh-CN" altLang="en-US" smtClean="0"/>
-              <a:t>2015/4/28</a:t>
+              <a:t>15/5/10</a:t>
             </a:fld>
             <a:endParaRPr lang="zh-CN" altLang="en-US"/>
           </a:p>
@@ -1821,7 +1821,7 @@
           <a:p>
             <a:fld id="{B81EF0E6-7456-45B9-A9E8-FB65E7325BBE}" type="datetimeFigureOut">
               <a:rPr lang="zh-CN" altLang="en-US" smtClean="0"/>
-              <a:t>2015/4/28</a:t>
+              <a:t>15/5/10</a:t>
             </a:fld>
             <a:endParaRPr lang="zh-CN" altLang="en-US"/>
           </a:p>
@@ -1911,15 +1911,15 @@
         </p:nvSpPr>
         <p:spPr>
           <a:xfrm>
-            <a:off x="173534" y="71967"/>
-            <a:ext cx="812560" cy="251883"/>
+            <a:off x="198356" y="96309"/>
+            <a:ext cx="928786" cy="337079"/>
           </a:xfrm>
         </p:spPr>
         <p:txBody>
           <a:bodyPr anchor="b"/>
           <a:lstStyle>
             <a:lvl1pPr>
-              <a:defRPr sz="504"/>
+              <a:defRPr sz="600"/>
             </a:lvl1pPr>
           </a:lstStyle>
           <a:p>
@@ -1943,39 +1943,39 @@
         </p:nvSpPr>
         <p:spPr>
           <a:xfrm>
-            <a:off x="1071057" y="155428"/>
-            <a:ext cx="1275428" cy="767145"/>
+            <a:off x="1224258" y="208000"/>
+            <a:ext cx="1457861" cy="1026621"/>
           </a:xfrm>
         </p:spPr>
         <p:txBody>
           <a:bodyPr/>
           <a:lstStyle>
             <a:lvl1pPr>
-              <a:defRPr sz="504"/>
+              <a:defRPr sz="600"/>
             </a:lvl1pPr>
             <a:lvl2pPr>
-              <a:defRPr sz="441"/>
+              <a:defRPr sz="500"/>
             </a:lvl2pPr>
             <a:lvl3pPr>
-              <a:defRPr sz="378"/>
+              <a:defRPr sz="500"/>
             </a:lvl3pPr>
             <a:lvl4pPr>
-              <a:defRPr sz="315"/>
+              <a:defRPr sz="400"/>
             </a:lvl4pPr>
             <a:lvl5pPr>
-              <a:defRPr sz="315"/>
+              <a:defRPr sz="400"/>
             </a:lvl5pPr>
             <a:lvl6pPr>
-              <a:defRPr sz="315"/>
+              <a:defRPr sz="400"/>
             </a:lvl6pPr>
             <a:lvl7pPr>
-              <a:defRPr sz="315"/>
+              <a:defRPr sz="400"/>
             </a:lvl7pPr>
             <a:lvl8pPr>
-              <a:defRPr sz="315"/>
+              <a:defRPr sz="400"/>
             </a:lvl8pPr>
             <a:lvl9pPr>
-              <a:defRPr sz="315"/>
+              <a:defRPr sz="400"/>
             </a:lvl9pPr>
           </a:lstStyle>
           <a:p>
@@ -2028,8 +2028,8 @@
         </p:nvSpPr>
         <p:spPr>
           <a:xfrm>
-            <a:off x="173534" y="323850"/>
-            <a:ext cx="812560" cy="599972"/>
+            <a:off x="198356" y="433387"/>
+            <a:ext cx="928786" cy="802904"/>
           </a:xfrm>
         </p:spPr>
         <p:txBody>
@@ -2037,39 +2037,39 @@
           <a:lstStyle>
             <a:lvl1pPr marL="0" indent="0">
               <a:buNone/>
-              <a:defRPr sz="252"/>
+              <a:defRPr sz="300"/>
             </a:lvl1pPr>
-            <a:lvl2pPr marL="71963" indent="0">
-              <a:buNone/>
-              <a:defRPr sz="220"/>
+            <a:lvl2pPr marL="86464" indent="0">
+              <a:buNone/>
+              <a:defRPr sz="300"/>
             </a:lvl2pPr>
-            <a:lvl3pPr marL="143927" indent="0">
-              <a:buNone/>
-              <a:defRPr sz="189"/>
+            <a:lvl3pPr marL="172928" indent="0">
+              <a:buNone/>
+              <a:defRPr sz="200"/>
             </a:lvl3pPr>
-            <a:lvl4pPr marL="215890" indent="0">
-              <a:buNone/>
-              <a:defRPr sz="157"/>
+            <a:lvl4pPr marL="259392" indent="0">
+              <a:buNone/>
+              <a:defRPr sz="200"/>
             </a:lvl4pPr>
-            <a:lvl5pPr marL="287853" indent="0">
-              <a:buNone/>
-              <a:defRPr sz="157"/>
+            <a:lvl5pPr marL="345855" indent="0">
+              <a:buNone/>
+              <a:defRPr sz="200"/>
             </a:lvl5pPr>
-            <a:lvl6pPr marL="359816" indent="0">
-              <a:buNone/>
-              <a:defRPr sz="157"/>
+            <a:lvl6pPr marL="432319" indent="0">
+              <a:buNone/>
+              <a:defRPr sz="200"/>
             </a:lvl6pPr>
-            <a:lvl7pPr marL="431780" indent="0">
-              <a:buNone/>
-              <a:defRPr sz="157"/>
+            <a:lvl7pPr marL="518784" indent="0">
+              <a:buNone/>
+              <a:defRPr sz="200"/>
             </a:lvl7pPr>
-            <a:lvl8pPr marL="503743" indent="0">
-              <a:buNone/>
-              <a:defRPr sz="157"/>
+            <a:lvl8pPr marL="605247" indent="0">
+              <a:buNone/>
+              <a:defRPr sz="200"/>
             </a:lvl8pPr>
-            <a:lvl9pPr marL="575706" indent="0">
-              <a:buNone/>
-              <a:defRPr sz="157"/>
+            <a:lvl9pPr marL="691711" indent="0">
+              <a:buNone/>
+              <a:defRPr sz="200"/>
             </a:lvl9pPr>
           </a:lstStyle>
           <a:p>
@@ -2098,7 +2098,7 @@
           <a:p>
             <a:fld id="{B81EF0E6-7456-45B9-A9E8-FB65E7325BBE}" type="datetimeFigureOut">
               <a:rPr lang="zh-CN" altLang="en-US" smtClean="0"/>
-              <a:t>2015/4/28</a:t>
+              <a:t>15/5/10</a:t>
             </a:fld>
             <a:endParaRPr lang="zh-CN" altLang="en-US"/>
           </a:p>
@@ -2188,15 +2188,15 @@
         </p:nvSpPr>
         <p:spPr>
           <a:xfrm>
-            <a:off x="173534" y="71967"/>
-            <a:ext cx="812560" cy="251883"/>
+            <a:off x="198356" y="96309"/>
+            <a:ext cx="928786" cy="337079"/>
           </a:xfrm>
         </p:spPr>
         <p:txBody>
           <a:bodyPr anchor="b"/>
           <a:lstStyle>
             <a:lvl1pPr>
-              <a:defRPr sz="504"/>
+              <a:defRPr sz="600"/>
             </a:lvl1pPr>
           </a:lstStyle>
           <a:p>
@@ -2220,8 +2220,8 @@
         </p:nvSpPr>
         <p:spPr>
           <a:xfrm>
-            <a:off x="1071057" y="155428"/>
-            <a:ext cx="1275428" cy="767145"/>
+            <a:off x="1224258" y="208000"/>
+            <a:ext cx="1457861" cy="1026621"/>
           </a:xfrm>
         </p:spPr>
         <p:txBody>
@@ -2229,39 +2229,39 @@
           <a:lstStyle>
             <a:lvl1pPr marL="0" indent="0">
               <a:buNone/>
-              <a:defRPr sz="504"/>
+              <a:defRPr sz="600"/>
             </a:lvl1pPr>
-            <a:lvl2pPr marL="71963" indent="0">
-              <a:buNone/>
-              <a:defRPr sz="441"/>
+            <a:lvl2pPr marL="86464" indent="0">
+              <a:buNone/>
+              <a:defRPr sz="500"/>
             </a:lvl2pPr>
-            <a:lvl3pPr marL="143927" indent="0">
-              <a:buNone/>
-              <a:defRPr sz="378"/>
+            <a:lvl3pPr marL="172928" indent="0">
+              <a:buNone/>
+              <a:defRPr sz="500"/>
             </a:lvl3pPr>
-            <a:lvl4pPr marL="215890" indent="0">
-              <a:buNone/>
-              <a:defRPr sz="315"/>
+            <a:lvl4pPr marL="259392" indent="0">
+              <a:buNone/>
+              <a:defRPr sz="400"/>
             </a:lvl4pPr>
-            <a:lvl5pPr marL="287853" indent="0">
-              <a:buNone/>
-              <a:defRPr sz="315"/>
+            <a:lvl5pPr marL="345855" indent="0">
+              <a:buNone/>
+              <a:defRPr sz="400"/>
             </a:lvl5pPr>
-            <a:lvl6pPr marL="359816" indent="0">
-              <a:buNone/>
-              <a:defRPr sz="315"/>
+            <a:lvl6pPr marL="432319" indent="0">
+              <a:buNone/>
+              <a:defRPr sz="400"/>
             </a:lvl6pPr>
-            <a:lvl7pPr marL="431780" indent="0">
-              <a:buNone/>
-              <a:defRPr sz="315"/>
+            <a:lvl7pPr marL="518784" indent="0">
+              <a:buNone/>
+              <a:defRPr sz="400"/>
             </a:lvl7pPr>
-            <a:lvl8pPr marL="503743" indent="0">
-              <a:buNone/>
-              <a:defRPr sz="315"/>
+            <a:lvl8pPr marL="605247" indent="0">
+              <a:buNone/>
+              <a:defRPr sz="400"/>
             </a:lvl8pPr>
-            <a:lvl9pPr marL="575706" indent="0">
-              <a:buNone/>
-              <a:defRPr sz="315"/>
+            <a:lvl9pPr marL="691711" indent="0">
+              <a:buNone/>
+              <a:defRPr sz="400"/>
             </a:lvl9pPr>
           </a:lstStyle>
           <a:p>
@@ -2285,8 +2285,8 @@
         </p:nvSpPr>
         <p:spPr>
           <a:xfrm>
-            <a:off x="173534" y="323850"/>
-            <a:ext cx="812560" cy="599972"/>
+            <a:off x="198356" y="433387"/>
+            <a:ext cx="928786" cy="802904"/>
           </a:xfrm>
         </p:spPr>
         <p:txBody>
@@ -2294,39 +2294,39 @@
           <a:lstStyle>
             <a:lvl1pPr marL="0" indent="0">
               <a:buNone/>
-              <a:defRPr sz="252"/>
+              <a:defRPr sz="300"/>
             </a:lvl1pPr>
-            <a:lvl2pPr marL="71963" indent="0">
-              <a:buNone/>
-              <a:defRPr sz="220"/>
+            <a:lvl2pPr marL="86464" indent="0">
+              <a:buNone/>
+              <a:defRPr sz="300"/>
             </a:lvl2pPr>
-            <a:lvl3pPr marL="143927" indent="0">
-              <a:buNone/>
-              <a:defRPr sz="189"/>
+            <a:lvl3pPr marL="172928" indent="0">
+              <a:buNone/>
+              <a:defRPr sz="200"/>
             </a:lvl3pPr>
-            <a:lvl4pPr marL="215890" indent="0">
-              <a:buNone/>
-              <a:defRPr sz="157"/>
+            <a:lvl4pPr marL="259392" indent="0">
+              <a:buNone/>
+              <a:defRPr sz="200"/>
             </a:lvl4pPr>
-            <a:lvl5pPr marL="287853" indent="0">
-              <a:buNone/>
-              <a:defRPr sz="157"/>
+            <a:lvl5pPr marL="345855" indent="0">
+              <a:buNone/>
+              <a:defRPr sz="200"/>
             </a:lvl5pPr>
-            <a:lvl6pPr marL="359816" indent="0">
-              <a:buNone/>
-              <a:defRPr sz="157"/>
+            <a:lvl6pPr marL="432319" indent="0">
+              <a:buNone/>
+              <a:defRPr sz="200"/>
             </a:lvl6pPr>
-            <a:lvl7pPr marL="431780" indent="0">
-              <a:buNone/>
-              <a:defRPr sz="157"/>
+            <a:lvl7pPr marL="518784" indent="0">
+              <a:buNone/>
+              <a:defRPr sz="200"/>
             </a:lvl7pPr>
-            <a:lvl8pPr marL="503743" indent="0">
-              <a:buNone/>
-              <a:defRPr sz="157"/>
+            <a:lvl8pPr marL="605247" indent="0">
+              <a:buNone/>
+              <a:defRPr sz="200"/>
             </a:lvl8pPr>
-            <a:lvl9pPr marL="575706" indent="0">
-              <a:buNone/>
-              <a:defRPr sz="157"/>
+            <a:lvl9pPr marL="691711" indent="0">
+              <a:buNone/>
+              <a:defRPr sz="200"/>
             </a:lvl9pPr>
           </a:lstStyle>
           <a:p>
@@ -2355,7 +2355,7 @@
           <a:p>
             <a:fld id="{B81EF0E6-7456-45B9-A9E8-FB65E7325BBE}" type="datetimeFigureOut">
               <a:rPr lang="zh-CN" altLang="en-US" smtClean="0"/>
-              <a:t>2015/4/28</a:t>
+              <a:t>15/5/10</a:t>
             </a:fld>
             <a:endParaRPr lang="zh-CN" altLang="en-US"/>
           </a:p>
@@ -2450,15 +2450,15 @@
         </p:nvSpPr>
         <p:spPr>
           <a:xfrm>
-            <a:off x="173206" y="57474"/>
-            <a:ext cx="2172951" cy="208653"/>
+            <a:off x="197982" y="76914"/>
+            <a:ext cx="2483763" cy="279227"/>
           </a:xfrm>
           <a:prstGeom prst="rect">
             <a:avLst/>
           </a:prstGeom>
         </p:spPr>
         <p:txBody>
-          <a:bodyPr vert="horz" lIns="91440" tIns="45720" rIns="91440" bIns="45720" rtlCol="0" anchor="ctr">
+          <a:bodyPr vert="horz" lIns="109865" tIns="54933" rIns="109865" bIns="54933" rtlCol="0" anchor="ctr">
             <a:normAutofit/>
           </a:bodyPr>
           <a:lstStyle/>
@@ -2483,15 +2483,15 @@
         </p:nvSpPr>
         <p:spPr>
           <a:xfrm>
-            <a:off x="173206" y="287367"/>
-            <a:ext cx="2172951" cy="684933"/>
+            <a:off x="197982" y="384565"/>
+            <a:ext cx="2483763" cy="916602"/>
           </a:xfrm>
           <a:prstGeom prst="rect">
             <a:avLst/>
           </a:prstGeom>
         </p:spPr>
         <p:txBody>
-          <a:bodyPr vert="horz" lIns="91440" tIns="45720" rIns="91440" bIns="45720" rtlCol="0">
+          <a:bodyPr vert="horz" lIns="109865" tIns="54933" rIns="109865" bIns="54933" rtlCol="0">
             <a:normAutofit/>
           </a:bodyPr>
           <a:lstStyle/>
@@ -2545,18 +2545,18 @@
         </p:nvSpPr>
         <p:spPr>
           <a:xfrm>
-            <a:off x="173206" y="1000537"/>
-            <a:ext cx="566857" cy="57473"/>
+            <a:off x="197982" y="1338955"/>
+            <a:ext cx="647938" cy="76912"/>
           </a:xfrm>
           <a:prstGeom prst="rect">
             <a:avLst/>
           </a:prstGeom>
         </p:spPr>
         <p:txBody>
-          <a:bodyPr vert="horz" lIns="91440" tIns="45720" rIns="91440" bIns="45720" rtlCol="0" anchor="ctr"/>
+          <a:bodyPr vert="horz" lIns="109865" tIns="54933" rIns="109865" bIns="54933" rtlCol="0" anchor="ctr"/>
           <a:lstStyle>
             <a:lvl1pPr algn="l">
-              <a:defRPr sz="189">
+              <a:defRPr sz="200">
                 <a:solidFill>
                   <a:schemeClr val="tx1">
                     <a:tint val="75000"/>
@@ -2568,7 +2568,7 @@
           <a:p>
             <a:fld id="{B81EF0E6-7456-45B9-A9E8-FB65E7325BBE}" type="datetimeFigureOut">
               <a:rPr lang="zh-CN" altLang="en-US" smtClean="0"/>
-              <a:t>2015/4/28</a:t>
+              <a:t>15/5/10</a:t>
             </a:fld>
             <a:endParaRPr lang="zh-CN" altLang="en-US"/>
           </a:p>
@@ -2586,18 +2586,18 @@
         </p:nvSpPr>
         <p:spPr>
           <a:xfrm>
-            <a:off x="834539" y="1000537"/>
-            <a:ext cx="850285" cy="57473"/>
+            <a:off x="953910" y="1338955"/>
+            <a:ext cx="971907" cy="76912"/>
           </a:xfrm>
           <a:prstGeom prst="rect">
             <a:avLst/>
           </a:prstGeom>
         </p:spPr>
         <p:txBody>
-          <a:bodyPr vert="horz" lIns="91440" tIns="45720" rIns="91440" bIns="45720" rtlCol="0" anchor="ctr"/>
+          <a:bodyPr vert="horz" lIns="109865" tIns="54933" rIns="109865" bIns="54933" rtlCol="0" anchor="ctr"/>
           <a:lstStyle>
             <a:lvl1pPr algn="ctr">
-              <a:defRPr sz="189">
+              <a:defRPr sz="200">
                 <a:solidFill>
                   <a:schemeClr val="tx1">
                     <a:tint val="75000"/>
@@ -2623,18 +2623,18 @@
         </p:nvSpPr>
         <p:spPr>
           <a:xfrm>
-            <a:off x="1779300" y="1000537"/>
-            <a:ext cx="566857" cy="57473"/>
+            <a:off x="2033806" y="1338955"/>
+            <a:ext cx="647938" cy="76912"/>
           </a:xfrm>
           <a:prstGeom prst="rect">
             <a:avLst/>
           </a:prstGeom>
         </p:spPr>
         <p:txBody>
-          <a:bodyPr vert="horz" lIns="91440" tIns="45720" rIns="91440" bIns="45720" rtlCol="0" anchor="ctr"/>
+          <a:bodyPr vert="horz" lIns="109865" tIns="54933" rIns="109865" bIns="54933" rtlCol="0" anchor="ctr"/>
           <a:lstStyle>
             <a:lvl1pPr algn="r">
-              <a:defRPr sz="189">
+              <a:defRPr sz="200">
                 <a:solidFill>
                   <a:schemeClr val="tx1">
                     <a:tint val="75000"/>
@@ -2675,7 +2675,7 @@
   </p:sldLayoutIdLst>
   <p:txStyles>
     <p:titleStyle>
-      <a:lvl1pPr algn="l" defTabSz="143927" rtl="0" eaLnBrk="1" latinLnBrk="0" hangingPunct="1">
+      <a:lvl1pPr algn="l" defTabSz="172928" rtl="0" eaLnBrk="1" latinLnBrk="0" hangingPunct="1">
         <a:lnSpc>
           <a:spcPct val="90000"/>
         </a:lnSpc>
@@ -2683,7 +2683,7 @@
           <a:spcPct val="0"/>
         </a:spcBef>
         <a:buNone/>
-        <a:defRPr sz="693" kern="1200">
+        <a:defRPr sz="800" kern="1200">
           <a:solidFill>
             <a:schemeClr val="tx1"/>
           </a:solidFill>
@@ -2694,16 +2694,16 @@
       </a:lvl1pPr>
     </p:titleStyle>
     <p:bodyStyle>
-      <a:lvl1pPr marL="35982" indent="-35982" algn="l" defTabSz="143927" rtl="0" eaLnBrk="1" latinLnBrk="0" hangingPunct="1">
+      <a:lvl1pPr marL="43232" indent="-43232" algn="l" defTabSz="172928" rtl="0" eaLnBrk="1" latinLnBrk="0" hangingPunct="1">
         <a:lnSpc>
           <a:spcPct val="90000"/>
         </a:lnSpc>
         <a:spcBef>
-          <a:spcPts val="157"/>
+          <a:spcPts val="189"/>
         </a:spcBef>
         <a:buFont typeface="Arial" panose="020B0604020202020204" pitchFamily="34" charset="0"/>
         <a:buChar char="•"/>
-        <a:defRPr sz="441" kern="1200">
+        <a:defRPr sz="500" kern="1200">
           <a:solidFill>
             <a:schemeClr val="tx1"/>
           </a:solidFill>
@@ -2712,16 +2712,16 @@
           <a:cs typeface="+mn-cs"/>
         </a:defRPr>
       </a:lvl1pPr>
-      <a:lvl2pPr marL="107945" indent="-35982" algn="l" defTabSz="143927" rtl="0" eaLnBrk="1" latinLnBrk="0" hangingPunct="1">
+      <a:lvl2pPr marL="129696" indent="-43232" algn="l" defTabSz="172928" rtl="0" eaLnBrk="1" latinLnBrk="0" hangingPunct="1">
         <a:lnSpc>
           <a:spcPct val="90000"/>
         </a:lnSpc>
         <a:spcBef>
-          <a:spcPts val="79"/>
+          <a:spcPts val="95"/>
         </a:spcBef>
         <a:buFont typeface="Arial" panose="020B0604020202020204" pitchFamily="34" charset="0"/>
         <a:buChar char="•"/>
-        <a:defRPr sz="378" kern="1200">
+        <a:defRPr sz="500" kern="1200">
           <a:solidFill>
             <a:schemeClr val="tx1"/>
           </a:solidFill>
@@ -2730,16 +2730,16 @@
           <a:cs typeface="+mn-cs"/>
         </a:defRPr>
       </a:lvl2pPr>
-      <a:lvl3pPr marL="179908" indent="-35982" algn="l" defTabSz="143927" rtl="0" eaLnBrk="1" latinLnBrk="0" hangingPunct="1">
+      <a:lvl3pPr marL="216159" indent="-43232" algn="l" defTabSz="172928" rtl="0" eaLnBrk="1" latinLnBrk="0" hangingPunct="1">
         <a:lnSpc>
           <a:spcPct val="90000"/>
         </a:lnSpc>
         <a:spcBef>
-          <a:spcPts val="79"/>
+          <a:spcPts val="95"/>
         </a:spcBef>
         <a:buFont typeface="Arial" panose="020B0604020202020204" pitchFamily="34" charset="0"/>
         <a:buChar char="•"/>
-        <a:defRPr sz="315" kern="1200">
+        <a:defRPr sz="400" kern="1200">
           <a:solidFill>
             <a:schemeClr val="tx1"/>
           </a:solidFill>
@@ -2748,16 +2748,16 @@
           <a:cs typeface="+mn-cs"/>
         </a:defRPr>
       </a:lvl3pPr>
-      <a:lvl4pPr marL="251871" indent="-35982" algn="l" defTabSz="143927" rtl="0" eaLnBrk="1" latinLnBrk="0" hangingPunct="1">
+      <a:lvl4pPr marL="302623" indent="-43232" algn="l" defTabSz="172928" rtl="0" eaLnBrk="1" latinLnBrk="0" hangingPunct="1">
         <a:lnSpc>
           <a:spcPct val="90000"/>
         </a:lnSpc>
         <a:spcBef>
-          <a:spcPts val="79"/>
+          <a:spcPts val="95"/>
         </a:spcBef>
         <a:buFont typeface="Arial" panose="020B0604020202020204" pitchFamily="34" charset="0"/>
         <a:buChar char="•"/>
-        <a:defRPr sz="283" kern="1200">
+        <a:defRPr sz="300" kern="1200">
           <a:solidFill>
             <a:schemeClr val="tx1"/>
           </a:solidFill>
@@ -2766,16 +2766,16 @@
           <a:cs typeface="+mn-cs"/>
         </a:defRPr>
       </a:lvl4pPr>
-      <a:lvl5pPr marL="323835" indent="-35982" algn="l" defTabSz="143927" rtl="0" eaLnBrk="1" latinLnBrk="0" hangingPunct="1">
+      <a:lvl5pPr marL="389088" indent="-43232" algn="l" defTabSz="172928" rtl="0" eaLnBrk="1" latinLnBrk="0" hangingPunct="1">
         <a:lnSpc>
           <a:spcPct val="90000"/>
         </a:lnSpc>
         <a:spcBef>
-          <a:spcPts val="79"/>
+          <a:spcPts val="95"/>
         </a:spcBef>
         <a:buFont typeface="Arial" panose="020B0604020202020204" pitchFamily="34" charset="0"/>
         <a:buChar char="•"/>
-        <a:defRPr sz="283" kern="1200">
+        <a:defRPr sz="300" kern="1200">
           <a:solidFill>
             <a:schemeClr val="tx1"/>
           </a:solidFill>
@@ -2784,16 +2784,16 @@
           <a:cs typeface="+mn-cs"/>
         </a:defRPr>
       </a:lvl5pPr>
-      <a:lvl6pPr marL="395798" indent="-35982" algn="l" defTabSz="143927" rtl="0" eaLnBrk="1" latinLnBrk="0" hangingPunct="1">
+      <a:lvl6pPr marL="475551" indent="-43232" algn="l" defTabSz="172928" rtl="0" eaLnBrk="1" latinLnBrk="0" hangingPunct="1">
         <a:lnSpc>
           <a:spcPct val="90000"/>
         </a:lnSpc>
         <a:spcBef>
-          <a:spcPts val="79"/>
+          <a:spcPts val="95"/>
         </a:spcBef>
         <a:buFont typeface="Arial" panose="020B0604020202020204" pitchFamily="34" charset="0"/>
         <a:buChar char="•"/>
-        <a:defRPr sz="283" kern="1200">
+        <a:defRPr sz="300" kern="1200">
           <a:solidFill>
             <a:schemeClr val="tx1"/>
           </a:solidFill>
@@ -2802,16 +2802,16 @@
           <a:cs typeface="+mn-cs"/>
         </a:defRPr>
       </a:lvl6pPr>
-      <a:lvl7pPr marL="467761" indent="-35982" algn="l" defTabSz="143927" rtl="0" eaLnBrk="1" latinLnBrk="0" hangingPunct="1">
+      <a:lvl7pPr marL="562015" indent="-43232" algn="l" defTabSz="172928" rtl="0" eaLnBrk="1" latinLnBrk="0" hangingPunct="1">
         <a:lnSpc>
           <a:spcPct val="90000"/>
         </a:lnSpc>
         <a:spcBef>
-          <a:spcPts val="79"/>
+          <a:spcPts val="95"/>
         </a:spcBef>
         <a:buFont typeface="Arial" panose="020B0604020202020204" pitchFamily="34" charset="0"/>
         <a:buChar char="•"/>
-        <a:defRPr sz="283" kern="1200">
+        <a:defRPr sz="300" kern="1200">
           <a:solidFill>
             <a:schemeClr val="tx1"/>
           </a:solidFill>
@@ -2820,16 +2820,16 @@
           <a:cs typeface="+mn-cs"/>
         </a:defRPr>
       </a:lvl7pPr>
-      <a:lvl8pPr marL="539725" indent="-35982" algn="l" defTabSz="143927" rtl="0" eaLnBrk="1" latinLnBrk="0" hangingPunct="1">
+      <a:lvl8pPr marL="648480" indent="-43232" algn="l" defTabSz="172928" rtl="0" eaLnBrk="1" latinLnBrk="0" hangingPunct="1">
         <a:lnSpc>
           <a:spcPct val="90000"/>
         </a:lnSpc>
         <a:spcBef>
-          <a:spcPts val="79"/>
+          <a:spcPts val="95"/>
         </a:spcBef>
         <a:buFont typeface="Arial" panose="020B0604020202020204" pitchFamily="34" charset="0"/>
         <a:buChar char="•"/>
-        <a:defRPr sz="283" kern="1200">
+        <a:defRPr sz="300" kern="1200">
           <a:solidFill>
             <a:schemeClr val="tx1"/>
           </a:solidFill>
@@ -2838,16 +2838,16 @@
           <a:cs typeface="+mn-cs"/>
         </a:defRPr>
       </a:lvl8pPr>
-      <a:lvl9pPr marL="611688" indent="-35982" algn="l" defTabSz="143927" rtl="0" eaLnBrk="1" latinLnBrk="0" hangingPunct="1">
+      <a:lvl9pPr marL="734943" indent="-43232" algn="l" defTabSz="172928" rtl="0" eaLnBrk="1" latinLnBrk="0" hangingPunct="1">
         <a:lnSpc>
           <a:spcPct val="90000"/>
         </a:lnSpc>
         <a:spcBef>
-          <a:spcPts val="79"/>
+          <a:spcPts val="95"/>
         </a:spcBef>
         <a:buFont typeface="Arial" panose="020B0604020202020204" pitchFamily="34" charset="0"/>
         <a:buChar char="•"/>
-        <a:defRPr sz="283" kern="1200">
+        <a:defRPr sz="300" kern="1200">
           <a:solidFill>
             <a:schemeClr val="tx1"/>
           </a:solidFill>
@@ -2861,8 +2861,8 @@
       <a:defPPr>
         <a:defRPr lang="en-US"/>
       </a:defPPr>
-      <a:lvl1pPr marL="0" algn="l" defTabSz="143927" rtl="0" eaLnBrk="1" latinLnBrk="0" hangingPunct="1">
-        <a:defRPr sz="283" kern="1200">
+      <a:lvl1pPr marL="0" algn="l" defTabSz="172928" rtl="0" eaLnBrk="1" latinLnBrk="0" hangingPunct="1">
+        <a:defRPr sz="300" kern="1200">
           <a:solidFill>
             <a:schemeClr val="tx1"/>
           </a:solidFill>
@@ -2871,8 +2871,8 @@
           <a:cs typeface="+mn-cs"/>
         </a:defRPr>
       </a:lvl1pPr>
-      <a:lvl2pPr marL="71963" algn="l" defTabSz="143927" rtl="0" eaLnBrk="1" latinLnBrk="0" hangingPunct="1">
-        <a:defRPr sz="283" kern="1200">
+      <a:lvl2pPr marL="86464" algn="l" defTabSz="172928" rtl="0" eaLnBrk="1" latinLnBrk="0" hangingPunct="1">
+        <a:defRPr sz="300" kern="1200">
           <a:solidFill>
             <a:schemeClr val="tx1"/>
           </a:solidFill>
@@ -2881,8 +2881,8 @@
           <a:cs typeface="+mn-cs"/>
         </a:defRPr>
       </a:lvl2pPr>
-      <a:lvl3pPr marL="143927" algn="l" defTabSz="143927" rtl="0" eaLnBrk="1" latinLnBrk="0" hangingPunct="1">
-        <a:defRPr sz="283" kern="1200">
+      <a:lvl3pPr marL="172928" algn="l" defTabSz="172928" rtl="0" eaLnBrk="1" latinLnBrk="0" hangingPunct="1">
+        <a:defRPr sz="300" kern="1200">
           <a:solidFill>
             <a:schemeClr val="tx1"/>
           </a:solidFill>
@@ -2891,8 +2891,8 @@
           <a:cs typeface="+mn-cs"/>
         </a:defRPr>
       </a:lvl3pPr>
-      <a:lvl4pPr marL="215890" algn="l" defTabSz="143927" rtl="0" eaLnBrk="1" latinLnBrk="0" hangingPunct="1">
-        <a:defRPr sz="283" kern="1200">
+      <a:lvl4pPr marL="259392" algn="l" defTabSz="172928" rtl="0" eaLnBrk="1" latinLnBrk="0" hangingPunct="1">
+        <a:defRPr sz="300" kern="1200">
           <a:solidFill>
             <a:schemeClr val="tx1"/>
           </a:solidFill>
@@ -2901,8 +2901,8 @@
           <a:cs typeface="+mn-cs"/>
         </a:defRPr>
       </a:lvl4pPr>
-      <a:lvl5pPr marL="287853" algn="l" defTabSz="143927" rtl="0" eaLnBrk="1" latinLnBrk="0" hangingPunct="1">
-        <a:defRPr sz="283" kern="1200">
+      <a:lvl5pPr marL="345855" algn="l" defTabSz="172928" rtl="0" eaLnBrk="1" latinLnBrk="0" hangingPunct="1">
+        <a:defRPr sz="300" kern="1200">
           <a:solidFill>
             <a:schemeClr val="tx1"/>
           </a:solidFill>
@@ -2911,8 +2911,8 @@
           <a:cs typeface="+mn-cs"/>
         </a:defRPr>
       </a:lvl5pPr>
-      <a:lvl6pPr marL="359816" algn="l" defTabSz="143927" rtl="0" eaLnBrk="1" latinLnBrk="0" hangingPunct="1">
-        <a:defRPr sz="283" kern="1200">
+      <a:lvl6pPr marL="432319" algn="l" defTabSz="172928" rtl="0" eaLnBrk="1" latinLnBrk="0" hangingPunct="1">
+        <a:defRPr sz="300" kern="1200">
           <a:solidFill>
             <a:schemeClr val="tx1"/>
           </a:solidFill>
@@ -2921,8 +2921,8 @@
           <a:cs typeface="+mn-cs"/>
         </a:defRPr>
       </a:lvl6pPr>
-      <a:lvl7pPr marL="431780" algn="l" defTabSz="143927" rtl="0" eaLnBrk="1" latinLnBrk="0" hangingPunct="1">
-        <a:defRPr sz="283" kern="1200">
+      <a:lvl7pPr marL="518784" algn="l" defTabSz="172928" rtl="0" eaLnBrk="1" latinLnBrk="0" hangingPunct="1">
+        <a:defRPr sz="300" kern="1200">
           <a:solidFill>
             <a:schemeClr val="tx1"/>
           </a:solidFill>
@@ -2931,8 +2931,8 @@
           <a:cs typeface="+mn-cs"/>
         </a:defRPr>
       </a:lvl7pPr>
-      <a:lvl8pPr marL="503743" algn="l" defTabSz="143927" rtl="0" eaLnBrk="1" latinLnBrk="0" hangingPunct="1">
-        <a:defRPr sz="283" kern="1200">
+      <a:lvl8pPr marL="605247" algn="l" defTabSz="172928" rtl="0" eaLnBrk="1" latinLnBrk="0" hangingPunct="1">
+        <a:defRPr sz="300" kern="1200">
           <a:solidFill>
             <a:schemeClr val="tx1"/>
           </a:solidFill>
@@ -2941,8 +2941,8 @@
           <a:cs typeface="+mn-cs"/>
         </a:defRPr>
       </a:lvl8pPr>
-      <a:lvl9pPr marL="575706" algn="l" defTabSz="143927" rtl="0" eaLnBrk="1" latinLnBrk="0" hangingPunct="1">
-        <a:defRPr sz="283" kern="1200">
+      <a:lvl9pPr marL="691711" algn="l" defTabSz="172928" rtl="0" eaLnBrk="1" latinLnBrk="0" hangingPunct="1">
+        <a:defRPr sz="300" kern="1200">
           <a:solidFill>
             <a:schemeClr val="tx1"/>
           </a:solidFill>
@@ -2981,8 +2981,8 @@
         </p:nvSpPr>
         <p:spPr>
           <a:xfrm>
-            <a:off x="135243" y="391611"/>
-            <a:ext cx="847929" cy="263667"/>
+            <a:off x="154588" y="524069"/>
+            <a:ext cx="969214" cy="352848"/>
           </a:xfrm>
           <a:custGeom>
             <a:avLst/>
@@ -3261,7 +3261,7 @@
           </a:fontRef>
         </p:style>
         <p:txBody>
-          <a:bodyPr rot="0" spcFirstLastPara="0" vert="horz" wrap="square" lIns="68555" tIns="34277" rIns="68555" bIns="34277" numCol="1" spcCol="0" rtlCol="0" fromWordArt="0" anchor="ctr" anchorCtr="0" forceAA="0" compatLnSpc="1">
+          <a:bodyPr rot="0" spcFirstLastPara="0" vert="horz" wrap="square" lIns="82369" tIns="41184" rIns="82369" bIns="41184" numCol="1" spcCol="0" rtlCol="0" fromWordArt="0" anchor="ctr" anchorCtr="0" forceAA="0" compatLnSpc="1">
             <a:prstTxWarp prst="textNoShape">
               <a:avLst/>
             </a:prstTxWarp>
@@ -3364,303 +3364,7 @@
           </a:lstStyle>
           <a:p>
             <a:pPr algn="ctr"/>
-            <a:endParaRPr lang="zh-CN" altLang="en-US" sz="306"/>
-          </a:p>
-        </p:txBody>
-      </p:sp>
-      <p:sp>
-        <p:nvSpPr>
-          <p:cNvPr id="15" name="矩形 14"/>
-          <p:cNvSpPr/>
-          <p:nvPr/>
-        </p:nvSpPr>
-        <p:spPr>
-          <a:xfrm>
-            <a:off x="34268" y="23973"/>
-            <a:ext cx="1029248" cy="1029248"/>
-          </a:xfrm>
-          <a:prstGeom prst="rect">
-            <a:avLst/>
-          </a:prstGeom>
-          <a:noFill/>
-          <a:ln>
-            <a:solidFill>
-              <a:schemeClr val="tx1">
-                <a:lumMod val="95000"/>
-                <a:lumOff val="5000"/>
-              </a:schemeClr>
-            </a:solidFill>
-          </a:ln>
-        </p:spPr>
-        <p:style>
-          <a:lnRef idx="2">
-            <a:schemeClr val="accent1">
-              <a:shade val="50000"/>
-            </a:schemeClr>
-          </a:lnRef>
-          <a:fillRef idx="1">
-            <a:schemeClr val="accent1"/>
-          </a:fillRef>
-          <a:effectRef idx="0">
-            <a:schemeClr val="accent1"/>
-          </a:effectRef>
-          <a:fontRef idx="minor">
-            <a:schemeClr val="lt1"/>
-          </a:fontRef>
-        </p:style>
-        <p:txBody>
-          <a:bodyPr rot="0" spcFirstLastPara="0" vert="horz" wrap="square" lIns="68555" tIns="34277" rIns="68555" bIns="34277" numCol="1" spcCol="0" rtlCol="0" fromWordArt="0" anchor="ctr" anchorCtr="0" forceAA="0" compatLnSpc="1">
-            <a:prstTxWarp prst="textNoShape">
-              <a:avLst/>
-            </a:prstTxWarp>
-            <a:noAutofit/>
-          </a:bodyPr>
-          <a:lstStyle>
-            <a:defPPr>
-              <a:defRPr lang="zh-CN"/>
-            </a:defPPr>
-            <a:lvl1pPr marL="0" algn="l" defTabSz="207294" rtl="0" eaLnBrk="1" latinLnBrk="0" hangingPunct="1">
-              <a:defRPr sz="408" kern="1200">
-                <a:solidFill>
-                  <a:schemeClr val="lt1"/>
-                </a:solidFill>
-                <a:latin typeface="+mn-lt"/>
-                <a:ea typeface="+mn-ea"/>
-                <a:cs typeface="+mn-cs"/>
-              </a:defRPr>
-            </a:lvl1pPr>
-            <a:lvl2pPr marL="103647" algn="l" defTabSz="207294" rtl="0" eaLnBrk="1" latinLnBrk="0" hangingPunct="1">
-              <a:defRPr sz="408" kern="1200">
-                <a:solidFill>
-                  <a:schemeClr val="lt1"/>
-                </a:solidFill>
-                <a:latin typeface="+mn-lt"/>
-                <a:ea typeface="+mn-ea"/>
-                <a:cs typeface="+mn-cs"/>
-              </a:defRPr>
-            </a:lvl2pPr>
-            <a:lvl3pPr marL="207294" algn="l" defTabSz="207294" rtl="0" eaLnBrk="1" latinLnBrk="0" hangingPunct="1">
-              <a:defRPr sz="408" kern="1200">
-                <a:solidFill>
-                  <a:schemeClr val="lt1"/>
-                </a:solidFill>
-                <a:latin typeface="+mn-lt"/>
-                <a:ea typeface="+mn-ea"/>
-                <a:cs typeface="+mn-cs"/>
-              </a:defRPr>
-            </a:lvl3pPr>
-            <a:lvl4pPr marL="310942" algn="l" defTabSz="207294" rtl="0" eaLnBrk="1" latinLnBrk="0" hangingPunct="1">
-              <a:defRPr sz="408" kern="1200">
-                <a:solidFill>
-                  <a:schemeClr val="lt1"/>
-                </a:solidFill>
-                <a:latin typeface="+mn-lt"/>
-                <a:ea typeface="+mn-ea"/>
-                <a:cs typeface="+mn-cs"/>
-              </a:defRPr>
-            </a:lvl4pPr>
-            <a:lvl5pPr marL="414589" algn="l" defTabSz="207294" rtl="0" eaLnBrk="1" latinLnBrk="0" hangingPunct="1">
-              <a:defRPr sz="408" kern="1200">
-                <a:solidFill>
-                  <a:schemeClr val="lt1"/>
-                </a:solidFill>
-                <a:latin typeface="+mn-lt"/>
-                <a:ea typeface="+mn-ea"/>
-                <a:cs typeface="+mn-cs"/>
-              </a:defRPr>
-            </a:lvl5pPr>
-            <a:lvl6pPr marL="518236" algn="l" defTabSz="207294" rtl="0" eaLnBrk="1" latinLnBrk="0" hangingPunct="1">
-              <a:defRPr sz="408" kern="1200">
-                <a:solidFill>
-                  <a:schemeClr val="lt1"/>
-                </a:solidFill>
-                <a:latin typeface="+mn-lt"/>
-                <a:ea typeface="+mn-ea"/>
-                <a:cs typeface="+mn-cs"/>
-              </a:defRPr>
-            </a:lvl6pPr>
-            <a:lvl7pPr marL="621883" algn="l" defTabSz="207294" rtl="0" eaLnBrk="1" latinLnBrk="0" hangingPunct="1">
-              <a:defRPr sz="408" kern="1200">
-                <a:solidFill>
-                  <a:schemeClr val="lt1"/>
-                </a:solidFill>
-                <a:latin typeface="+mn-lt"/>
-                <a:ea typeface="+mn-ea"/>
-                <a:cs typeface="+mn-cs"/>
-              </a:defRPr>
-            </a:lvl7pPr>
-            <a:lvl8pPr marL="725531" algn="l" defTabSz="207294" rtl="0" eaLnBrk="1" latinLnBrk="0" hangingPunct="1">
-              <a:defRPr sz="408" kern="1200">
-                <a:solidFill>
-                  <a:schemeClr val="lt1"/>
-                </a:solidFill>
-                <a:latin typeface="+mn-lt"/>
-                <a:ea typeface="+mn-ea"/>
-                <a:cs typeface="+mn-cs"/>
-              </a:defRPr>
-            </a:lvl8pPr>
-            <a:lvl9pPr marL="829178" algn="l" defTabSz="207294" rtl="0" eaLnBrk="1" latinLnBrk="0" hangingPunct="1">
-              <a:defRPr sz="408" kern="1200">
-                <a:solidFill>
-                  <a:schemeClr val="lt1"/>
-                </a:solidFill>
-                <a:latin typeface="+mn-lt"/>
-                <a:ea typeface="+mn-ea"/>
-                <a:cs typeface="+mn-cs"/>
-              </a:defRPr>
-            </a:lvl9pPr>
-          </a:lstStyle>
-          <a:p>
-            <a:pPr algn="ctr"/>
-            <a:endParaRPr lang="zh-CN" altLang="en-US" sz="306"/>
-          </a:p>
-        </p:txBody>
-      </p:sp>
-      <p:sp>
-        <p:nvSpPr>
-          <p:cNvPr id="20" name="矩形 19"/>
-          <p:cNvSpPr/>
-          <p:nvPr/>
-        </p:nvSpPr>
-        <p:spPr>
-          <a:xfrm>
-            <a:off x="1451605" y="23973"/>
-            <a:ext cx="1029248" cy="1029248"/>
-          </a:xfrm>
-          <a:prstGeom prst="rect">
-            <a:avLst/>
-          </a:prstGeom>
-          <a:noFill/>
-          <a:ln>
-            <a:solidFill>
-              <a:schemeClr val="tx1">
-                <a:lumMod val="95000"/>
-                <a:lumOff val="5000"/>
-              </a:schemeClr>
-            </a:solidFill>
-          </a:ln>
-        </p:spPr>
-        <p:style>
-          <a:lnRef idx="2">
-            <a:schemeClr val="accent1">
-              <a:shade val="50000"/>
-            </a:schemeClr>
-          </a:lnRef>
-          <a:fillRef idx="1">
-            <a:schemeClr val="accent1"/>
-          </a:fillRef>
-          <a:effectRef idx="0">
-            <a:schemeClr val="accent1"/>
-          </a:effectRef>
-          <a:fontRef idx="minor">
-            <a:schemeClr val="lt1"/>
-          </a:fontRef>
-        </p:style>
-        <p:txBody>
-          <a:bodyPr rot="0" spcFirstLastPara="0" vert="horz" wrap="square" lIns="68555" tIns="34277" rIns="68555" bIns="34277" numCol="1" spcCol="0" rtlCol="0" fromWordArt="0" anchor="ctr" anchorCtr="0" forceAA="0" compatLnSpc="1">
-            <a:prstTxWarp prst="textNoShape">
-              <a:avLst/>
-            </a:prstTxWarp>
-            <a:noAutofit/>
-          </a:bodyPr>
-          <a:lstStyle>
-            <a:defPPr>
-              <a:defRPr lang="zh-CN"/>
-            </a:defPPr>
-            <a:lvl1pPr marL="0" algn="l" defTabSz="207294" rtl="0" eaLnBrk="1" latinLnBrk="0" hangingPunct="1">
-              <a:defRPr sz="408" kern="1200">
-                <a:solidFill>
-                  <a:schemeClr val="lt1"/>
-                </a:solidFill>
-                <a:latin typeface="+mn-lt"/>
-                <a:ea typeface="+mn-ea"/>
-                <a:cs typeface="+mn-cs"/>
-              </a:defRPr>
-            </a:lvl1pPr>
-            <a:lvl2pPr marL="103647" algn="l" defTabSz="207294" rtl="0" eaLnBrk="1" latinLnBrk="0" hangingPunct="1">
-              <a:defRPr sz="408" kern="1200">
-                <a:solidFill>
-                  <a:schemeClr val="lt1"/>
-                </a:solidFill>
-                <a:latin typeface="+mn-lt"/>
-                <a:ea typeface="+mn-ea"/>
-                <a:cs typeface="+mn-cs"/>
-              </a:defRPr>
-            </a:lvl2pPr>
-            <a:lvl3pPr marL="207294" algn="l" defTabSz="207294" rtl="0" eaLnBrk="1" latinLnBrk="0" hangingPunct="1">
-              <a:defRPr sz="408" kern="1200">
-                <a:solidFill>
-                  <a:schemeClr val="lt1"/>
-                </a:solidFill>
-                <a:latin typeface="+mn-lt"/>
-                <a:ea typeface="+mn-ea"/>
-                <a:cs typeface="+mn-cs"/>
-              </a:defRPr>
-            </a:lvl3pPr>
-            <a:lvl4pPr marL="310942" algn="l" defTabSz="207294" rtl="0" eaLnBrk="1" latinLnBrk="0" hangingPunct="1">
-              <a:defRPr sz="408" kern="1200">
-                <a:solidFill>
-                  <a:schemeClr val="lt1"/>
-                </a:solidFill>
-                <a:latin typeface="+mn-lt"/>
-                <a:ea typeface="+mn-ea"/>
-                <a:cs typeface="+mn-cs"/>
-              </a:defRPr>
-            </a:lvl4pPr>
-            <a:lvl5pPr marL="414589" algn="l" defTabSz="207294" rtl="0" eaLnBrk="1" latinLnBrk="0" hangingPunct="1">
-              <a:defRPr sz="408" kern="1200">
-                <a:solidFill>
-                  <a:schemeClr val="lt1"/>
-                </a:solidFill>
-                <a:latin typeface="+mn-lt"/>
-                <a:ea typeface="+mn-ea"/>
-                <a:cs typeface="+mn-cs"/>
-              </a:defRPr>
-            </a:lvl5pPr>
-            <a:lvl6pPr marL="518236" algn="l" defTabSz="207294" rtl="0" eaLnBrk="1" latinLnBrk="0" hangingPunct="1">
-              <a:defRPr sz="408" kern="1200">
-                <a:solidFill>
-                  <a:schemeClr val="lt1"/>
-                </a:solidFill>
-                <a:latin typeface="+mn-lt"/>
-                <a:ea typeface="+mn-ea"/>
-                <a:cs typeface="+mn-cs"/>
-              </a:defRPr>
-            </a:lvl6pPr>
-            <a:lvl7pPr marL="621883" algn="l" defTabSz="207294" rtl="0" eaLnBrk="1" latinLnBrk="0" hangingPunct="1">
-              <a:defRPr sz="408" kern="1200">
-                <a:solidFill>
-                  <a:schemeClr val="lt1"/>
-                </a:solidFill>
-                <a:latin typeface="+mn-lt"/>
-                <a:ea typeface="+mn-ea"/>
-                <a:cs typeface="+mn-cs"/>
-              </a:defRPr>
-            </a:lvl7pPr>
-            <a:lvl8pPr marL="725531" algn="l" defTabSz="207294" rtl="0" eaLnBrk="1" latinLnBrk="0" hangingPunct="1">
-              <a:defRPr sz="408" kern="1200">
-                <a:solidFill>
-                  <a:schemeClr val="lt1"/>
-                </a:solidFill>
-                <a:latin typeface="+mn-lt"/>
-                <a:ea typeface="+mn-ea"/>
-                <a:cs typeface="+mn-cs"/>
-              </a:defRPr>
-            </a:lvl8pPr>
-            <a:lvl9pPr marL="829178" algn="l" defTabSz="207294" rtl="0" eaLnBrk="1" latinLnBrk="0" hangingPunct="1">
-              <a:defRPr sz="408" kern="1200">
-                <a:solidFill>
-                  <a:schemeClr val="lt1"/>
-                </a:solidFill>
-                <a:latin typeface="+mn-lt"/>
-                <a:ea typeface="+mn-ea"/>
-                <a:cs typeface="+mn-cs"/>
-              </a:defRPr>
-            </a:lvl9pPr>
-          </a:lstStyle>
-          <a:p>
-            <a:pPr algn="ctr"/>
-            <a:endParaRPr lang="zh-CN" altLang="en-US" sz="306"/>
+            <a:endParaRPr lang="zh-CN" altLang="en-US" sz="400"/>
           </a:p>
         </p:txBody>
       </p:sp>
@@ -3672,8 +3376,8 @@
         </p:nvSpPr>
         <p:spPr>
           <a:xfrm>
-            <a:off x="1135474" y="434993"/>
-            <a:ext cx="244172" cy="176901"/>
+            <a:off x="1316939" y="512274"/>
+            <a:ext cx="279098" cy="236735"/>
           </a:xfrm>
           <a:prstGeom prst="rightArrow">
             <a:avLst/>
@@ -3705,7 +3409,7 @@
           </a:fontRef>
         </p:style>
         <p:txBody>
-          <a:bodyPr rtlCol="0" anchor="ctr"/>
+          <a:bodyPr lIns="109865" tIns="54933" rIns="109865" bIns="54933" rtlCol="0" anchor="ctr"/>
           <a:lstStyle/>
           <a:p>
             <a:pPr algn="ctr"/>
@@ -3735,14 +3439,139 @@
         </p:blipFill>
         <p:spPr>
           <a:xfrm>
-            <a:off x="1476144" y="47556"/>
-            <a:ext cx="988003" cy="990574"/>
+            <a:off x="1679575" y="63642"/>
+            <a:ext cx="1149737" cy="1146034"/>
           </a:xfrm>
           <a:prstGeom prst="rect">
             <a:avLst/>
           </a:prstGeom>
         </p:spPr>
       </p:pic>
+      <p:sp>
+        <p:nvSpPr>
+          <p:cNvPr id="10" name="文本框 9"/>
+          <p:cNvSpPr txBox="1"/>
+          <p:nvPr/>
+        </p:nvSpPr>
+        <p:spPr>
+          <a:xfrm>
+            <a:off x="1267194" y="1209031"/>
+            <a:ext cx="329863" cy="261610"/>
+          </a:xfrm>
+          <a:prstGeom prst="rect">
+            <a:avLst/>
+          </a:prstGeom>
+          <a:noFill/>
+          <a:ln w="19050">
+            <a:noFill/>
+          </a:ln>
+        </p:spPr>
+        <p:txBody>
+          <a:bodyPr wrap="none" rtlCol="0">
+            <a:spAutoFit/>
+          </a:bodyPr>
+          <a:lstStyle/>
+          <a:p>
+            <a:r>
+              <a:rPr lang="en-US" altLang="zh-CN" sz="1100" dirty="0" smtClean="0"/>
+              <a:t>(c)</a:t>
+            </a:r>
+            <a:endParaRPr lang="zh-CN" altLang="en-US" sz="1100" dirty="0"/>
+          </a:p>
+        </p:txBody>
+      </p:sp>
+      <p:sp>
+        <p:nvSpPr>
+          <p:cNvPr id="21" name="矩形 20"/>
+          <p:cNvSpPr/>
+          <p:nvPr/>
+        </p:nvSpPr>
+        <p:spPr>
+          <a:xfrm>
+            <a:off x="1639368" y="22789"/>
+            <a:ext cx="1216352" cy="1216352"/>
+          </a:xfrm>
+          <a:prstGeom prst="rect">
+            <a:avLst/>
+          </a:prstGeom>
+          <a:noFill/>
+          <a:ln w="19050">
+            <a:solidFill>
+              <a:schemeClr val="tx1"/>
+            </a:solidFill>
+          </a:ln>
+        </p:spPr>
+        <p:style>
+          <a:lnRef idx="2">
+            <a:schemeClr val="accent1">
+              <a:shade val="50000"/>
+            </a:schemeClr>
+          </a:lnRef>
+          <a:fillRef idx="1">
+            <a:schemeClr val="accent1"/>
+          </a:fillRef>
+          <a:effectRef idx="0">
+            <a:schemeClr val="accent1"/>
+          </a:effectRef>
+          <a:fontRef idx="minor">
+            <a:schemeClr val="lt1"/>
+          </a:fontRef>
+        </p:style>
+        <p:txBody>
+          <a:bodyPr rtlCol="0" anchor="ctr"/>
+          <a:lstStyle/>
+          <a:p>
+            <a:pPr algn="ctr"/>
+            <a:endParaRPr lang="zh-CN" altLang="en-US"/>
+          </a:p>
+        </p:txBody>
+      </p:sp>
+      <p:sp>
+        <p:nvSpPr>
+          <p:cNvPr id="22" name="矩形 21"/>
+          <p:cNvSpPr/>
+          <p:nvPr/>
+        </p:nvSpPr>
+        <p:spPr>
+          <a:xfrm>
+            <a:off x="39168" y="22789"/>
+            <a:ext cx="1216352" cy="1216352"/>
+          </a:xfrm>
+          <a:prstGeom prst="rect">
+            <a:avLst/>
+          </a:prstGeom>
+          <a:noFill/>
+          <a:ln w="19050">
+            <a:solidFill>
+              <a:schemeClr val="tx1"/>
+            </a:solidFill>
+          </a:ln>
+        </p:spPr>
+        <p:style>
+          <a:lnRef idx="2">
+            <a:schemeClr val="accent1">
+              <a:shade val="50000"/>
+            </a:schemeClr>
+          </a:lnRef>
+          <a:fillRef idx="1">
+            <a:schemeClr val="accent1"/>
+          </a:fillRef>
+          <a:effectRef idx="0">
+            <a:schemeClr val="accent1"/>
+          </a:effectRef>
+          <a:fontRef idx="minor">
+            <a:schemeClr val="lt1"/>
+          </a:fontRef>
+        </p:style>
+        <p:txBody>
+          <a:bodyPr rtlCol="0" anchor="ctr"/>
+          <a:lstStyle/>
+          <a:p>
+            <a:pPr algn="ctr"/>
+            <a:endParaRPr lang="zh-CN" altLang="en-US"/>
+          </a:p>
+        </p:txBody>
+      </p:sp>
     </p:spTree>
     <p:extLst>
       <p:ext uri="{BB962C8B-B14F-4D97-AF65-F5344CB8AC3E}">
@@ -3799,7 +3628,7 @@
     </a:clrScheme>
     <a:fontScheme name="Office 主题">
       <a:majorFont>
-        <a:latin typeface="Calibri Light" panose="020F0302020204030204"/>
+        <a:latin typeface="Calibri Light"/>
         <a:ea typeface=""/>
         <a:cs typeface=""/>
         <a:font script="Jpan" typeface="ＭＳ Ｐゴシック"/>
@@ -3834,7 +3663,7 @@
         <a:font script="Geor" typeface="Sylfaen"/>
       </a:majorFont>
       <a:minorFont>
-        <a:latin typeface="Calibri" panose="020F0502020204030204"/>
+        <a:latin typeface="Calibri"/>
         <a:ea typeface=""/>
         <a:cs typeface=""/>
         <a:font script="Jpan" typeface="ＭＳ Ｐゴシック"/>
@@ -4011,7 +3840,7 @@
   <a:extraClrSchemeLst/>
   <a:extLst>
     <a:ext uri="{05A4C25C-085E-4340-85A3-A5531E510DB2}">
-      <thm15:themeFamily xmlns:thm15="http://schemas.microsoft.com/office/thememl/2012/main" name="Office Theme" id="{62F939B6-93AF-4DB8-9C6B-D6C7DFDC589F}" vid="{4A3C46E8-61CC-4603-A589-7422A47A8E4A}"/>
+      <thm15:themeFamily xmlns:thm15="http://schemas.microsoft.com/office/thememl/2012/main" xmlns="" name="Office Theme" id="{62F939B6-93AF-4DB8-9C6B-D6C7DFDC589F}" vid="{4A3C46E8-61CC-4603-A589-7422A47A8E4A}"/>
     </a:ext>
   </a:extLst>
 </a:theme>
